--- a/django-jpn.pptx
+++ b/django-jpn.pptx
@@ -269,7 +269,7 @@
           <a:p>
             <a:fld id="{9F984A1A-F576-403E-81D7-74E1235F9109}" type="datetimeFigureOut">
               <a:rPr lang="en-GB" smtClean="0"/>
-              <a:t>27/01/2025</a:t>
+              <a:t>14/02/2025</a:t>
             </a:fld>
             <a:endParaRPr lang="en-GB"/>
           </a:p>
@@ -469,7 +469,7 @@
           <a:p>
             <a:fld id="{9F984A1A-F576-403E-81D7-74E1235F9109}" type="datetimeFigureOut">
               <a:rPr lang="en-GB" smtClean="0"/>
-              <a:t>27/01/2025</a:t>
+              <a:t>14/02/2025</a:t>
             </a:fld>
             <a:endParaRPr lang="en-GB"/>
           </a:p>
@@ -679,7 +679,7 @@
           <a:p>
             <a:fld id="{9F984A1A-F576-403E-81D7-74E1235F9109}" type="datetimeFigureOut">
               <a:rPr lang="en-GB" smtClean="0"/>
-              <a:t>27/01/2025</a:t>
+              <a:t>14/02/2025</a:t>
             </a:fld>
             <a:endParaRPr lang="en-GB"/>
           </a:p>
@@ -879,7 +879,7 @@
           <a:p>
             <a:fld id="{9F984A1A-F576-403E-81D7-74E1235F9109}" type="datetimeFigureOut">
               <a:rPr lang="en-GB" smtClean="0"/>
-              <a:t>27/01/2025</a:t>
+              <a:t>14/02/2025</a:t>
             </a:fld>
             <a:endParaRPr lang="en-GB"/>
           </a:p>
@@ -1155,7 +1155,7 @@
           <a:p>
             <a:fld id="{9F984A1A-F576-403E-81D7-74E1235F9109}" type="datetimeFigureOut">
               <a:rPr lang="en-GB" smtClean="0"/>
-              <a:t>27/01/2025</a:t>
+              <a:t>14/02/2025</a:t>
             </a:fld>
             <a:endParaRPr lang="en-GB"/>
           </a:p>
@@ -1423,7 +1423,7 @@
           <a:p>
             <a:fld id="{9F984A1A-F576-403E-81D7-74E1235F9109}" type="datetimeFigureOut">
               <a:rPr lang="en-GB" smtClean="0"/>
-              <a:t>27/01/2025</a:t>
+              <a:t>14/02/2025</a:t>
             </a:fld>
             <a:endParaRPr lang="en-GB"/>
           </a:p>
@@ -1838,7 +1838,7 @@
           <a:p>
             <a:fld id="{9F984A1A-F576-403E-81D7-74E1235F9109}" type="datetimeFigureOut">
               <a:rPr lang="en-GB" smtClean="0"/>
-              <a:t>27/01/2025</a:t>
+              <a:t>14/02/2025</a:t>
             </a:fld>
             <a:endParaRPr lang="en-GB"/>
           </a:p>
@@ -1980,7 +1980,7 @@
           <a:p>
             <a:fld id="{9F984A1A-F576-403E-81D7-74E1235F9109}" type="datetimeFigureOut">
               <a:rPr lang="en-GB" smtClean="0"/>
-              <a:t>27/01/2025</a:t>
+              <a:t>14/02/2025</a:t>
             </a:fld>
             <a:endParaRPr lang="en-GB"/>
           </a:p>
@@ -2093,7 +2093,7 @@
           <a:p>
             <a:fld id="{9F984A1A-F576-403E-81D7-74E1235F9109}" type="datetimeFigureOut">
               <a:rPr lang="en-GB" smtClean="0"/>
-              <a:t>27/01/2025</a:t>
+              <a:t>14/02/2025</a:t>
             </a:fld>
             <a:endParaRPr lang="en-GB"/>
           </a:p>
@@ -2406,7 +2406,7 @@
           <a:p>
             <a:fld id="{9F984A1A-F576-403E-81D7-74E1235F9109}" type="datetimeFigureOut">
               <a:rPr lang="en-GB" smtClean="0"/>
-              <a:t>27/01/2025</a:t>
+              <a:t>14/02/2025</a:t>
             </a:fld>
             <a:endParaRPr lang="en-GB"/>
           </a:p>
@@ -2695,7 +2695,7 @@
           <a:p>
             <a:fld id="{9F984A1A-F576-403E-81D7-74E1235F9109}" type="datetimeFigureOut">
               <a:rPr lang="en-GB" smtClean="0"/>
-              <a:t>27/01/2025</a:t>
+              <a:t>14/02/2025</a:t>
             </a:fld>
             <a:endParaRPr lang="en-GB"/>
           </a:p>
@@ -2938,7 +2938,7 @@
           <a:p>
             <a:fld id="{9F984A1A-F576-403E-81D7-74E1235F9109}" type="datetimeFigureOut">
               <a:rPr lang="en-GB" smtClean="0"/>
-              <a:t>27/01/2025</a:t>
+              <a:t>14/02/2025</a:t>
             </a:fld>
             <a:endParaRPr lang="en-GB"/>
           </a:p>
@@ -3607,7 +3607,7 @@
         <p:spPr>
           <a:xfrm>
             <a:off x="619875" y="4089886"/>
-            <a:ext cx="11111500" cy="2546851"/>
+            <a:ext cx="11111500" cy="2428870"/>
           </a:xfrm>
           <a:prstGeom prst="rect">
             <a:avLst/>
@@ -3620,7 +3620,7 @@
           </a:bodyPr>
           <a:lstStyle/>
           <a:p>
-            <a:pPr algn="l">
+            <a:pPr>
               <a:spcBef>
                 <a:spcPts val="1500"/>
               </a:spcBef>
@@ -3633,40 +3633,41 @@
                 <a:effectLst/>
                 <a:latin typeface="Montserrat" panose="020F0502020204030204" pitchFamily="2" charset="0"/>
               </a:rPr>
-              <a:t>GitHub Repo: </a:t>
-            </a:r>
-            <a:r>
-              <a:rPr lang="en-GB" sz="2400" i="0" dirty="0">
+              <a:t>GitHub Repo:</a:t>
+            </a:r>
+            <a:r>
+              <a:rPr lang="en-GB" sz="2400" b="0" dirty="0">
+                <a:solidFill>
+                  <a:schemeClr val="bg1"/>
+                </a:solidFill>
+                <a:latin typeface="Montserrat" panose="020F0502020204030204" pitchFamily="2" charset="0"/>
+              </a:rPr>
+              <a:t>  </a:t>
+            </a:r>
+            <a:r>
+              <a:rPr lang="en-GB" sz="3200" i="0" dirty="0">
                 <a:solidFill>
                   <a:schemeClr val="bg1"/>
                 </a:solidFill>
                 <a:effectLst/>
                 <a:latin typeface="Montserrat" panose="020F0502020204030204" pitchFamily="2" charset="0"/>
               </a:rPr>
-              <a:t>https://github.com/Python-Test-Engineer</a:t>
-            </a:r>
-            <a:r>
-              <a:rPr lang="en-GB" sz="2400" i="0">
-                <a:solidFill>
-                  <a:schemeClr val="bg1"/>
-                </a:solidFill>
-                <a:effectLst/>
-                <a:latin typeface="Montserrat" panose="020F0502020204030204" pitchFamily="2" charset="0"/>
-              </a:rPr>
-              <a:t>/django-jpn</a:t>
+              <a:t>https://pytest-cookbook.com/</a:t>
             </a:r>
           </a:p>
           <a:p>
             <a:pPr algn="l">
+              <a:lnSpc>
+                <a:spcPts val="1000"/>
+              </a:lnSpc>
               <a:spcBef>
                 <a:spcPts val="1500"/>
               </a:spcBef>
             </a:pPr>
-            <a:endParaRPr lang="en-GB" sz="2400" i="0" dirty="0">
+            <a:endParaRPr lang="en-GB" dirty="0">
               <a:solidFill>
                 <a:schemeClr val="bg1"/>
               </a:solidFill>
-              <a:effectLst/>
               <a:latin typeface="Montserrat" panose="020F0502020204030204" pitchFamily="2" charset="0"/>
             </a:endParaRPr>
           </a:p>
@@ -3808,7 +3809,7 @@
       </p:sp>
       <p:pic>
         <p:nvPicPr>
-          <p:cNvPr id="16" name="Picture 15" descr="A dog holding a toy in its mouth&#10;&#10;Description automatically generated">
+          <p:cNvPr id="16" name="Picture 15">
             <a:extLst>
               <a:ext uri="{FF2B5EF4-FFF2-40B4-BE49-F238E27FC236}">
                 <a16:creationId xmlns:a16="http://schemas.microsoft.com/office/drawing/2014/main" id="{A90A8CCF-FC98-12DF-F924-6F8B0D86A8A2}"/>
@@ -3828,14 +3829,13 @@
               </a:ext>
             </a:extLst>
           </a:blip>
-          <a:stretch>
-            <a:fillRect/>
-          </a:stretch>
+          <a:srcRect/>
+          <a:stretch/>
         </p:blipFill>
         <p:spPr>
           <a:xfrm>
-            <a:off x="7078894" y="4982922"/>
-            <a:ext cx="1400456" cy="1159095"/>
+            <a:off x="7017859" y="4756974"/>
+            <a:ext cx="1242563" cy="1997180"/>
           </a:xfrm>
           <a:prstGeom prst="rect">
             <a:avLst/>
@@ -3870,8 +3870,8 @@
         </p:blipFill>
         <p:spPr>
           <a:xfrm>
-            <a:off x="8801885" y="4944209"/>
-            <a:ext cx="2929490" cy="1166741"/>
+            <a:off x="8405113" y="5059444"/>
+            <a:ext cx="3610515" cy="1437976"/>
           </a:xfrm>
           <a:prstGeom prst="rect">
             <a:avLst/>

--- a/django-jpn.pptx
+++ b/django-jpn.pptx
@@ -6,6 +6,7 @@
   </p:sldMasterIdLst>
   <p:sldIdLst>
     <p:sldId id="266" r:id="rId2"/>
+    <p:sldId id="267" r:id="rId3"/>
   </p:sldIdLst>
   <p:sldSz cx="12192000" cy="6858000"/>
   <p:notesSz cx="6858000" cy="9144000"/>
@@ -269,7 +270,7 @@
           <a:p>
             <a:fld id="{9F984A1A-F576-403E-81D7-74E1235F9109}" type="datetimeFigureOut">
               <a:rPr lang="en-GB" smtClean="0"/>
-              <a:t>14/02/2025</a:t>
+              <a:t>17/02/2025</a:t>
             </a:fld>
             <a:endParaRPr lang="en-GB"/>
           </a:p>
@@ -469,7 +470,7 @@
           <a:p>
             <a:fld id="{9F984A1A-F576-403E-81D7-74E1235F9109}" type="datetimeFigureOut">
               <a:rPr lang="en-GB" smtClean="0"/>
-              <a:t>14/02/2025</a:t>
+              <a:t>17/02/2025</a:t>
             </a:fld>
             <a:endParaRPr lang="en-GB"/>
           </a:p>
@@ -679,7 +680,7 @@
           <a:p>
             <a:fld id="{9F984A1A-F576-403E-81D7-74E1235F9109}" type="datetimeFigureOut">
               <a:rPr lang="en-GB" smtClean="0"/>
-              <a:t>14/02/2025</a:t>
+              <a:t>17/02/2025</a:t>
             </a:fld>
             <a:endParaRPr lang="en-GB"/>
           </a:p>
@@ -879,7 +880,7 @@
           <a:p>
             <a:fld id="{9F984A1A-F576-403E-81D7-74E1235F9109}" type="datetimeFigureOut">
               <a:rPr lang="en-GB" smtClean="0"/>
-              <a:t>14/02/2025</a:t>
+              <a:t>17/02/2025</a:t>
             </a:fld>
             <a:endParaRPr lang="en-GB"/>
           </a:p>
@@ -1155,7 +1156,7 @@
           <a:p>
             <a:fld id="{9F984A1A-F576-403E-81D7-74E1235F9109}" type="datetimeFigureOut">
               <a:rPr lang="en-GB" smtClean="0"/>
-              <a:t>14/02/2025</a:t>
+              <a:t>17/02/2025</a:t>
             </a:fld>
             <a:endParaRPr lang="en-GB"/>
           </a:p>
@@ -1423,7 +1424,7 @@
           <a:p>
             <a:fld id="{9F984A1A-F576-403E-81D7-74E1235F9109}" type="datetimeFigureOut">
               <a:rPr lang="en-GB" smtClean="0"/>
-              <a:t>14/02/2025</a:t>
+              <a:t>17/02/2025</a:t>
             </a:fld>
             <a:endParaRPr lang="en-GB"/>
           </a:p>
@@ -1838,7 +1839,7 @@
           <a:p>
             <a:fld id="{9F984A1A-F576-403E-81D7-74E1235F9109}" type="datetimeFigureOut">
               <a:rPr lang="en-GB" smtClean="0"/>
-              <a:t>14/02/2025</a:t>
+              <a:t>17/02/2025</a:t>
             </a:fld>
             <a:endParaRPr lang="en-GB"/>
           </a:p>
@@ -1980,7 +1981,7 @@
           <a:p>
             <a:fld id="{9F984A1A-F576-403E-81D7-74E1235F9109}" type="datetimeFigureOut">
               <a:rPr lang="en-GB" smtClean="0"/>
-              <a:t>14/02/2025</a:t>
+              <a:t>17/02/2025</a:t>
             </a:fld>
             <a:endParaRPr lang="en-GB"/>
           </a:p>
@@ -2093,7 +2094,7 @@
           <a:p>
             <a:fld id="{9F984A1A-F576-403E-81D7-74E1235F9109}" type="datetimeFigureOut">
               <a:rPr lang="en-GB" smtClean="0"/>
-              <a:t>14/02/2025</a:t>
+              <a:t>17/02/2025</a:t>
             </a:fld>
             <a:endParaRPr lang="en-GB"/>
           </a:p>
@@ -2406,7 +2407,7 @@
           <a:p>
             <a:fld id="{9F984A1A-F576-403E-81D7-74E1235F9109}" type="datetimeFigureOut">
               <a:rPr lang="en-GB" smtClean="0"/>
-              <a:t>14/02/2025</a:t>
+              <a:t>17/02/2025</a:t>
             </a:fld>
             <a:endParaRPr lang="en-GB"/>
           </a:p>
@@ -2695,7 +2696,7 @@
           <a:p>
             <a:fld id="{9F984A1A-F576-403E-81D7-74E1235F9109}" type="datetimeFigureOut">
               <a:rPr lang="en-GB" smtClean="0"/>
-              <a:t>14/02/2025</a:t>
+              <a:t>17/02/2025</a:t>
             </a:fld>
             <a:endParaRPr lang="en-GB"/>
           </a:p>
@@ -2938,7 +2939,7 @@
           <a:p>
             <a:fld id="{9F984A1A-F576-403E-81D7-74E1235F9109}" type="datetimeFigureOut">
               <a:rPr lang="en-GB" smtClean="0"/>
-              <a:t>14/02/2025</a:t>
+              <a:t>17/02/2025</a:t>
             </a:fld>
             <a:endParaRPr lang="en-GB"/>
           </a:p>
@@ -3891,6 +3892,426 @@
 </p:sld>
 </file>
 
+<file path=ppt/slides/slide2.xml><?xml version="1.0" encoding="utf-8"?>
+<p:sld xmlns:a="http://schemas.openxmlformats.org/drawingml/2006/main" xmlns:r="http://schemas.openxmlformats.org/officeDocument/2006/relationships" xmlns:p="http://schemas.openxmlformats.org/presentationml/2006/main">
+  <p:cSld>
+    <p:bg>
+      <p:bgPr>
+        <a:solidFill>
+          <a:schemeClr val="tx1">
+            <a:lumMod val="50000"/>
+            <a:lumOff val="50000"/>
+          </a:schemeClr>
+        </a:solidFill>
+        <a:effectLst/>
+      </p:bgPr>
+    </p:bg>
+    <p:spTree>
+      <p:nvGrpSpPr>
+        <p:cNvPr id="1" name="">
+          <a:extLst>
+            <a:ext uri="{FF2B5EF4-FFF2-40B4-BE49-F238E27FC236}">
+              <a16:creationId xmlns:a16="http://schemas.microsoft.com/office/drawing/2014/main" id="{FF1DE77D-A352-5669-61A2-29408C457443}"/>
+            </a:ext>
+          </a:extLst>
+        </p:cNvPr>
+        <p:cNvGrpSpPr/>
+        <p:nvPr/>
+      </p:nvGrpSpPr>
+      <p:grpSpPr>
+        <a:xfrm>
+          <a:off x="0" y="0"/>
+          <a:ext cx="0" cy="0"/>
+          <a:chOff x="0" y="0"/>
+          <a:chExt cx="0" cy="0"/>
+        </a:xfrm>
+      </p:grpSpPr>
+      <p:sp>
+        <p:nvSpPr>
+          <p:cNvPr id="2" name="Rectangle: Rounded Corners 1">
+            <a:extLst>
+              <a:ext uri="{FF2B5EF4-FFF2-40B4-BE49-F238E27FC236}">
+                <a16:creationId xmlns:a16="http://schemas.microsoft.com/office/drawing/2014/main" id="{94229D3C-0585-6C01-290D-2ECF669B679E}"/>
+              </a:ext>
+            </a:extLst>
+          </p:cNvPr>
+          <p:cNvSpPr/>
+          <p:nvPr/>
+        </p:nvSpPr>
+        <p:spPr>
+          <a:xfrm>
+            <a:off x="976046" y="748299"/>
+            <a:ext cx="3568557" cy="801384"/>
+          </a:xfrm>
+          <a:prstGeom prst="roundRect">
+            <a:avLst/>
+          </a:prstGeom>
+        </p:spPr>
+        <p:style>
+          <a:lnRef idx="2">
+            <a:schemeClr val="accent2">
+              <a:shade val="15000"/>
+            </a:schemeClr>
+          </a:lnRef>
+          <a:fillRef idx="1">
+            <a:schemeClr val="accent2"/>
+          </a:fillRef>
+          <a:effectRef idx="0">
+            <a:schemeClr val="accent2"/>
+          </a:effectRef>
+          <a:fontRef idx="minor">
+            <a:schemeClr val="lt1"/>
+          </a:fontRef>
+        </p:style>
+        <p:txBody>
+          <a:bodyPr rtlCol="0" anchor="ctr"/>
+          <a:lstStyle/>
+          <a:p>
+            <a:pPr algn="ctr"/>
+            <a:r>
+              <a:rPr lang="en-GB" sz="2400" b="1" dirty="0"/>
+              <a:t>QUERY1+ DATA</a:t>
+            </a:r>
+          </a:p>
+        </p:txBody>
+      </p:sp>
+      <p:sp>
+        <p:nvSpPr>
+          <p:cNvPr id="3" name="Arrow: Right 2">
+            <a:extLst>
+              <a:ext uri="{FF2B5EF4-FFF2-40B4-BE49-F238E27FC236}">
+                <a16:creationId xmlns:a16="http://schemas.microsoft.com/office/drawing/2014/main" id="{6726876B-0B25-7EDB-4A9D-77789CFE9A5B}"/>
+              </a:ext>
+            </a:extLst>
+          </p:cNvPr>
+          <p:cNvSpPr/>
+          <p:nvPr/>
+        </p:nvSpPr>
+        <p:spPr>
+          <a:xfrm>
+            <a:off x="5032198" y="774841"/>
+            <a:ext cx="2803133" cy="748300"/>
+          </a:xfrm>
+          <a:prstGeom prst="rightArrow">
+            <a:avLst/>
+          </a:prstGeom>
+        </p:spPr>
+        <p:style>
+          <a:lnRef idx="2">
+            <a:schemeClr val="accent2">
+              <a:shade val="15000"/>
+            </a:schemeClr>
+          </a:lnRef>
+          <a:fillRef idx="1">
+            <a:schemeClr val="accent2"/>
+          </a:fillRef>
+          <a:effectRef idx="0">
+            <a:schemeClr val="accent2"/>
+          </a:effectRef>
+          <a:fontRef idx="minor">
+            <a:schemeClr val="lt1"/>
+          </a:fontRef>
+        </p:style>
+        <p:txBody>
+          <a:bodyPr rtlCol="0" anchor="ctr"/>
+          <a:lstStyle/>
+          <a:p>
+            <a:pPr algn="ctr"/>
+            <a:r>
+              <a:rPr lang="en-GB" dirty="0"/>
+              <a:t>SEND TO LLM</a:t>
+            </a:r>
+          </a:p>
+        </p:txBody>
+      </p:sp>
+      <p:sp>
+        <p:nvSpPr>
+          <p:cNvPr id="5" name="Rectangle: Rounded Corners 4">
+            <a:extLst>
+              <a:ext uri="{FF2B5EF4-FFF2-40B4-BE49-F238E27FC236}">
+                <a16:creationId xmlns:a16="http://schemas.microsoft.com/office/drawing/2014/main" id="{AF93ECB2-C5BA-6BE4-B413-B4301EFB4F38}"/>
+              </a:ext>
+            </a:extLst>
+          </p:cNvPr>
+          <p:cNvSpPr/>
+          <p:nvPr/>
+        </p:nvSpPr>
+        <p:spPr>
+          <a:xfrm>
+            <a:off x="8322926" y="2757755"/>
+            <a:ext cx="2601074" cy="801384"/>
+          </a:xfrm>
+          <a:prstGeom prst="roundRect">
+            <a:avLst/>
+          </a:prstGeom>
+        </p:spPr>
+        <p:style>
+          <a:lnRef idx="2">
+            <a:schemeClr val="accent2">
+              <a:shade val="15000"/>
+            </a:schemeClr>
+          </a:lnRef>
+          <a:fillRef idx="1">
+            <a:schemeClr val="accent2"/>
+          </a:fillRef>
+          <a:effectRef idx="0">
+            <a:schemeClr val="accent2"/>
+          </a:effectRef>
+          <a:fontRef idx="minor">
+            <a:schemeClr val="lt1"/>
+          </a:fontRef>
+        </p:style>
+        <p:txBody>
+          <a:bodyPr rtlCol="0" anchor="ctr"/>
+          <a:lstStyle/>
+          <a:p>
+            <a:pPr algn="ctr"/>
+            <a:r>
+              <a:rPr lang="en-GB" sz="2800" b="1" dirty="0"/>
+              <a:t>RESPONSE_2</a:t>
+            </a:r>
+          </a:p>
+        </p:txBody>
+      </p:sp>
+      <p:sp>
+        <p:nvSpPr>
+          <p:cNvPr id="29" name="Rectangle: Rounded Corners 28">
+            <a:extLst>
+              <a:ext uri="{FF2B5EF4-FFF2-40B4-BE49-F238E27FC236}">
+                <a16:creationId xmlns:a16="http://schemas.microsoft.com/office/drawing/2014/main" id="{4B990AF5-4A6E-C44C-96A7-54B75F9EC9B5}"/>
+              </a:ext>
+            </a:extLst>
+          </p:cNvPr>
+          <p:cNvSpPr/>
+          <p:nvPr/>
+        </p:nvSpPr>
+        <p:spPr>
+          <a:xfrm>
+            <a:off x="976046" y="2731213"/>
+            <a:ext cx="3568558" cy="801384"/>
+          </a:xfrm>
+          <a:prstGeom prst="roundRect">
+            <a:avLst/>
+          </a:prstGeom>
+        </p:spPr>
+        <p:style>
+          <a:lnRef idx="2">
+            <a:schemeClr val="accent2">
+              <a:shade val="15000"/>
+            </a:schemeClr>
+          </a:lnRef>
+          <a:fillRef idx="1">
+            <a:schemeClr val="accent2"/>
+          </a:fillRef>
+          <a:effectRef idx="0">
+            <a:schemeClr val="accent2"/>
+          </a:effectRef>
+          <a:fontRef idx="minor">
+            <a:schemeClr val="lt1"/>
+          </a:fontRef>
+        </p:style>
+        <p:txBody>
+          <a:bodyPr rtlCol="0" anchor="ctr"/>
+          <a:lstStyle/>
+          <a:p>
+            <a:pPr algn="ctr"/>
+            <a:r>
+              <a:rPr lang="en-GB" sz="2400" b="1" dirty="0"/>
+              <a:t>QUERY2 + RESPONSE_1</a:t>
+            </a:r>
+          </a:p>
+        </p:txBody>
+      </p:sp>
+      <p:cxnSp>
+        <p:nvCxnSpPr>
+          <p:cNvPr id="34" name="Straight Arrow Connector 33">
+            <a:extLst>
+              <a:ext uri="{FF2B5EF4-FFF2-40B4-BE49-F238E27FC236}">
+                <a16:creationId xmlns:a16="http://schemas.microsoft.com/office/drawing/2014/main" id="{30EE99A5-B316-169C-7413-8FD41068EA81}"/>
+              </a:ext>
+            </a:extLst>
+          </p:cNvPr>
+          <p:cNvCxnSpPr>
+            <a:cxnSpLocks/>
+          </p:cNvCxnSpPr>
+          <p:nvPr/>
+        </p:nvCxnSpPr>
+        <p:spPr>
+          <a:xfrm flipH="1">
+            <a:off x="4475254" y="1643434"/>
+            <a:ext cx="3847672" cy="893851"/>
+          </a:xfrm>
+          <a:prstGeom prst="straightConnector1">
+            <a:avLst/>
+          </a:prstGeom>
+          <a:ln w="63500">
+            <a:solidFill>
+              <a:srgbClr val="FFC000"/>
+            </a:solidFill>
+            <a:tailEnd type="triangle"/>
+          </a:ln>
+        </p:spPr>
+        <p:style>
+          <a:lnRef idx="2">
+            <a:schemeClr val="accent1"/>
+          </a:lnRef>
+          <a:fillRef idx="0">
+            <a:schemeClr val="accent1"/>
+          </a:fillRef>
+          <a:effectRef idx="1">
+            <a:schemeClr val="accent1"/>
+          </a:effectRef>
+          <a:fontRef idx="minor">
+            <a:schemeClr val="tx1"/>
+          </a:fontRef>
+        </p:style>
+      </p:cxnSp>
+      <p:sp>
+        <p:nvSpPr>
+          <p:cNvPr id="36" name="Rectangle: Rounded Corners 35">
+            <a:extLst>
+              <a:ext uri="{FF2B5EF4-FFF2-40B4-BE49-F238E27FC236}">
+                <a16:creationId xmlns:a16="http://schemas.microsoft.com/office/drawing/2014/main" id="{5DD5C95E-EBD4-E455-1B49-8A3AC52C8BD9}"/>
+              </a:ext>
+            </a:extLst>
+          </p:cNvPr>
+          <p:cNvSpPr/>
+          <p:nvPr/>
+        </p:nvSpPr>
+        <p:spPr>
+          <a:xfrm>
+            <a:off x="8322926" y="696929"/>
+            <a:ext cx="2601074" cy="801384"/>
+          </a:xfrm>
+          <a:prstGeom prst="roundRect">
+            <a:avLst/>
+          </a:prstGeom>
+        </p:spPr>
+        <p:style>
+          <a:lnRef idx="2">
+            <a:schemeClr val="accent2">
+              <a:shade val="15000"/>
+            </a:schemeClr>
+          </a:lnRef>
+          <a:fillRef idx="1">
+            <a:schemeClr val="accent2"/>
+          </a:fillRef>
+          <a:effectRef idx="0">
+            <a:schemeClr val="accent2"/>
+          </a:effectRef>
+          <a:fontRef idx="minor">
+            <a:schemeClr val="lt1"/>
+          </a:fontRef>
+        </p:style>
+        <p:txBody>
+          <a:bodyPr rtlCol="0" anchor="ctr"/>
+          <a:lstStyle/>
+          <a:p>
+            <a:pPr algn="ctr"/>
+            <a:r>
+              <a:rPr lang="en-GB" sz="2800" b="1" dirty="0"/>
+              <a:t>RESPONSE_1</a:t>
+            </a:r>
+          </a:p>
+        </p:txBody>
+      </p:sp>
+      <p:sp>
+        <p:nvSpPr>
+          <p:cNvPr id="37" name="Arrow: Right 36">
+            <a:extLst>
+              <a:ext uri="{FF2B5EF4-FFF2-40B4-BE49-F238E27FC236}">
+                <a16:creationId xmlns:a16="http://schemas.microsoft.com/office/drawing/2014/main" id="{6F579E4F-6FE8-7E2A-1067-0478CABD245F}"/>
+              </a:ext>
+            </a:extLst>
+          </p:cNvPr>
+          <p:cNvSpPr/>
+          <p:nvPr/>
+        </p:nvSpPr>
+        <p:spPr>
+          <a:xfrm>
+            <a:off x="5032198" y="2810839"/>
+            <a:ext cx="2803133" cy="748300"/>
+          </a:xfrm>
+          <a:prstGeom prst="rightArrow">
+            <a:avLst/>
+          </a:prstGeom>
+        </p:spPr>
+        <p:style>
+          <a:lnRef idx="2">
+            <a:schemeClr val="accent2">
+              <a:shade val="15000"/>
+            </a:schemeClr>
+          </a:lnRef>
+          <a:fillRef idx="1">
+            <a:schemeClr val="accent2"/>
+          </a:fillRef>
+          <a:effectRef idx="0">
+            <a:schemeClr val="accent2"/>
+          </a:effectRef>
+          <a:fontRef idx="minor">
+            <a:schemeClr val="lt1"/>
+          </a:fontRef>
+        </p:style>
+        <p:txBody>
+          <a:bodyPr rtlCol="0" anchor="ctr"/>
+          <a:lstStyle/>
+          <a:p>
+            <a:pPr algn="ctr"/>
+            <a:r>
+              <a:rPr lang="en-GB" dirty="0"/>
+              <a:t>SEND TO LLM</a:t>
+            </a:r>
+          </a:p>
+        </p:txBody>
+      </p:sp>
+      <p:sp>
+        <p:nvSpPr>
+          <p:cNvPr id="4" name="TextBox 3">
+            <a:extLst>
+              <a:ext uri="{FF2B5EF4-FFF2-40B4-BE49-F238E27FC236}">
+                <a16:creationId xmlns:a16="http://schemas.microsoft.com/office/drawing/2014/main" id="{F1D8187F-F725-6BB4-5533-D203ED6ABEA9}"/>
+              </a:ext>
+            </a:extLst>
+          </p:cNvPr>
+          <p:cNvSpPr txBox="1"/>
+          <p:nvPr/>
+        </p:nvSpPr>
+        <p:spPr>
+          <a:xfrm>
+            <a:off x="887002" y="4137348"/>
+            <a:ext cx="10705671" cy="1077218"/>
+          </a:xfrm>
+          <a:prstGeom prst="rect">
+            <a:avLst/>
+          </a:prstGeom>
+          <a:noFill/>
+        </p:spPr>
+        <p:txBody>
+          <a:bodyPr wrap="square" rtlCol="0">
+            <a:spAutoFit/>
+          </a:bodyPr>
+          <a:lstStyle/>
+          <a:p>
+            <a:r>
+              <a:rPr lang="en-GB" sz="3200" dirty="0"/>
+              <a:t>We change our query to carry out new instructions along with previous response to generate response</a:t>
+            </a:r>
+          </a:p>
+        </p:txBody>
+      </p:sp>
+    </p:spTree>
+    <p:extLst>
+      <p:ext uri="{BB962C8B-B14F-4D97-AF65-F5344CB8AC3E}">
+        <p14:creationId xmlns:p14="http://schemas.microsoft.com/office/powerpoint/2010/main" val="3852988969"/>
+      </p:ext>
+    </p:extLst>
+  </p:cSld>
+  <p:clrMapOvr>
+    <a:masterClrMapping/>
+  </p:clrMapOvr>
+</p:sld>
+</file>
+
 <file path=ppt/theme/theme1.xml><?xml version="1.0" encoding="utf-8"?>
 <a:theme xmlns:a="http://schemas.openxmlformats.org/drawingml/2006/main" name="Office Theme">
   <a:themeElements>

--- a/django-jpn.pptx
+++ b/django-jpn.pptx
@@ -7,6 +7,7 @@
   <p:sldIdLst>
     <p:sldId id="266" r:id="rId2"/>
     <p:sldId id="267" r:id="rId3"/>
+    <p:sldId id="268" r:id="rId4"/>
   </p:sldIdLst>
   <p:sldSz cx="12192000" cy="6858000"/>
   <p:notesSz cx="6858000" cy="9144000"/>
@@ -270,7 +271,7 @@
           <a:p>
             <a:fld id="{9F984A1A-F576-403E-81D7-74E1235F9109}" type="datetimeFigureOut">
               <a:rPr lang="en-GB" smtClean="0"/>
-              <a:t>17/02/2025</a:t>
+              <a:t>18/02/2025</a:t>
             </a:fld>
             <a:endParaRPr lang="en-GB"/>
           </a:p>
@@ -470,7 +471,7 @@
           <a:p>
             <a:fld id="{9F984A1A-F576-403E-81D7-74E1235F9109}" type="datetimeFigureOut">
               <a:rPr lang="en-GB" smtClean="0"/>
-              <a:t>17/02/2025</a:t>
+              <a:t>18/02/2025</a:t>
             </a:fld>
             <a:endParaRPr lang="en-GB"/>
           </a:p>
@@ -680,7 +681,7 @@
           <a:p>
             <a:fld id="{9F984A1A-F576-403E-81D7-74E1235F9109}" type="datetimeFigureOut">
               <a:rPr lang="en-GB" smtClean="0"/>
-              <a:t>17/02/2025</a:t>
+              <a:t>18/02/2025</a:t>
             </a:fld>
             <a:endParaRPr lang="en-GB"/>
           </a:p>
@@ -880,7 +881,7 @@
           <a:p>
             <a:fld id="{9F984A1A-F576-403E-81D7-74E1235F9109}" type="datetimeFigureOut">
               <a:rPr lang="en-GB" smtClean="0"/>
-              <a:t>17/02/2025</a:t>
+              <a:t>18/02/2025</a:t>
             </a:fld>
             <a:endParaRPr lang="en-GB"/>
           </a:p>
@@ -1156,7 +1157,7 @@
           <a:p>
             <a:fld id="{9F984A1A-F576-403E-81D7-74E1235F9109}" type="datetimeFigureOut">
               <a:rPr lang="en-GB" smtClean="0"/>
-              <a:t>17/02/2025</a:t>
+              <a:t>18/02/2025</a:t>
             </a:fld>
             <a:endParaRPr lang="en-GB"/>
           </a:p>
@@ -1424,7 +1425,7 @@
           <a:p>
             <a:fld id="{9F984A1A-F576-403E-81D7-74E1235F9109}" type="datetimeFigureOut">
               <a:rPr lang="en-GB" smtClean="0"/>
-              <a:t>17/02/2025</a:t>
+              <a:t>18/02/2025</a:t>
             </a:fld>
             <a:endParaRPr lang="en-GB"/>
           </a:p>
@@ -1839,7 +1840,7 @@
           <a:p>
             <a:fld id="{9F984A1A-F576-403E-81D7-74E1235F9109}" type="datetimeFigureOut">
               <a:rPr lang="en-GB" smtClean="0"/>
-              <a:t>17/02/2025</a:t>
+              <a:t>18/02/2025</a:t>
             </a:fld>
             <a:endParaRPr lang="en-GB"/>
           </a:p>
@@ -1981,7 +1982,7 @@
           <a:p>
             <a:fld id="{9F984A1A-F576-403E-81D7-74E1235F9109}" type="datetimeFigureOut">
               <a:rPr lang="en-GB" smtClean="0"/>
-              <a:t>17/02/2025</a:t>
+              <a:t>18/02/2025</a:t>
             </a:fld>
             <a:endParaRPr lang="en-GB"/>
           </a:p>
@@ -2094,7 +2095,7 @@
           <a:p>
             <a:fld id="{9F984A1A-F576-403E-81D7-74E1235F9109}" type="datetimeFigureOut">
               <a:rPr lang="en-GB" smtClean="0"/>
-              <a:t>17/02/2025</a:t>
+              <a:t>18/02/2025</a:t>
             </a:fld>
             <a:endParaRPr lang="en-GB"/>
           </a:p>
@@ -2407,7 +2408,7 @@
           <a:p>
             <a:fld id="{9F984A1A-F576-403E-81D7-74E1235F9109}" type="datetimeFigureOut">
               <a:rPr lang="en-GB" smtClean="0"/>
-              <a:t>17/02/2025</a:t>
+              <a:t>18/02/2025</a:t>
             </a:fld>
             <a:endParaRPr lang="en-GB"/>
           </a:p>
@@ -2696,7 +2697,7 @@
           <a:p>
             <a:fld id="{9F984A1A-F576-403E-81D7-74E1235F9109}" type="datetimeFigureOut">
               <a:rPr lang="en-GB" smtClean="0"/>
-              <a:t>17/02/2025</a:t>
+              <a:t>18/02/2025</a:t>
             </a:fld>
             <a:endParaRPr lang="en-GB"/>
           </a:p>
@@ -2939,7 +2940,7 @@
           <a:p>
             <a:fld id="{9F984A1A-F576-403E-81D7-74E1235F9109}" type="datetimeFigureOut">
               <a:rPr lang="en-GB" smtClean="0"/>
-              <a:t>17/02/2025</a:t>
+              <a:t>18/02/2025</a:t>
             </a:fld>
             <a:endParaRPr lang="en-GB"/>
           </a:p>
@@ -4312,6 +4313,369 @@
 </p:sld>
 </file>
 
+<file path=ppt/slides/slide3.xml><?xml version="1.0" encoding="utf-8"?>
+<p:sld xmlns:a="http://schemas.openxmlformats.org/drawingml/2006/main" xmlns:r="http://schemas.openxmlformats.org/officeDocument/2006/relationships" xmlns:p="http://schemas.openxmlformats.org/presentationml/2006/main">
+  <p:cSld>
+    <p:bg>
+      <p:bgPr>
+        <a:solidFill>
+          <a:schemeClr val="tx1">
+            <a:lumMod val="50000"/>
+            <a:lumOff val="50000"/>
+          </a:schemeClr>
+        </a:solidFill>
+        <a:effectLst/>
+      </p:bgPr>
+    </p:bg>
+    <p:spTree>
+      <p:nvGrpSpPr>
+        <p:cNvPr id="1" name="">
+          <a:extLst>
+            <a:ext uri="{FF2B5EF4-FFF2-40B4-BE49-F238E27FC236}">
+              <a16:creationId xmlns:a16="http://schemas.microsoft.com/office/drawing/2014/main" id="{AAB15ECC-E2CD-8C0B-6CF6-701CA8D8C894}"/>
+            </a:ext>
+          </a:extLst>
+        </p:cNvPr>
+        <p:cNvGrpSpPr/>
+        <p:nvPr/>
+      </p:nvGrpSpPr>
+      <p:grpSpPr>
+        <a:xfrm>
+          <a:off x="0" y="0"/>
+          <a:ext cx="0" cy="0"/>
+          <a:chOff x="0" y="0"/>
+          <a:chExt cx="0" cy="0"/>
+        </a:xfrm>
+      </p:grpSpPr>
+      <p:sp>
+        <p:nvSpPr>
+          <p:cNvPr id="2" name="Rectangle: Rounded Corners 1">
+            <a:extLst>
+              <a:ext uri="{FF2B5EF4-FFF2-40B4-BE49-F238E27FC236}">
+                <a16:creationId xmlns:a16="http://schemas.microsoft.com/office/drawing/2014/main" id="{9C1CDD24-C966-1086-A46B-43D2B544511C}"/>
+              </a:ext>
+            </a:extLst>
+          </p:cNvPr>
+          <p:cNvSpPr/>
+          <p:nvPr/>
+        </p:nvSpPr>
+        <p:spPr>
+          <a:xfrm>
+            <a:off x="887002" y="840336"/>
+            <a:ext cx="3568557" cy="801384"/>
+          </a:xfrm>
+          <a:prstGeom prst="roundRect">
+            <a:avLst/>
+          </a:prstGeom>
+        </p:spPr>
+        <p:style>
+          <a:lnRef idx="2">
+            <a:schemeClr val="accent2">
+              <a:shade val="15000"/>
+            </a:schemeClr>
+          </a:lnRef>
+          <a:fillRef idx="1">
+            <a:schemeClr val="accent2"/>
+          </a:fillRef>
+          <a:effectRef idx="0">
+            <a:schemeClr val="accent2"/>
+          </a:effectRef>
+          <a:fontRef idx="minor">
+            <a:schemeClr val="lt1"/>
+          </a:fontRef>
+        </p:style>
+        <p:txBody>
+          <a:bodyPr rtlCol="0" anchor="ctr"/>
+          <a:lstStyle/>
+          <a:p>
+            <a:pPr algn="ctr"/>
+            <a:r>
+              <a:rPr lang="en-GB" sz="2400" b="1" dirty="0"/>
+              <a:t>PROCESS INPUT</a:t>
+            </a:r>
+          </a:p>
+        </p:txBody>
+      </p:sp>
+      <p:sp>
+        <p:nvSpPr>
+          <p:cNvPr id="36" name="Rectangle: Rounded Corners 35">
+            <a:extLst>
+              <a:ext uri="{FF2B5EF4-FFF2-40B4-BE49-F238E27FC236}">
+                <a16:creationId xmlns:a16="http://schemas.microsoft.com/office/drawing/2014/main" id="{D7EEBD4F-BB8A-7367-9558-990348D32E2C}"/>
+              </a:ext>
+            </a:extLst>
+          </p:cNvPr>
+          <p:cNvSpPr/>
+          <p:nvPr/>
+        </p:nvSpPr>
+        <p:spPr>
+          <a:xfrm>
+            <a:off x="5545477" y="340967"/>
+            <a:ext cx="5984700" cy="1800122"/>
+          </a:xfrm>
+          <a:prstGeom prst="roundRect">
+            <a:avLst/>
+          </a:prstGeom>
+        </p:spPr>
+        <p:style>
+          <a:lnRef idx="2">
+            <a:schemeClr val="accent2">
+              <a:shade val="15000"/>
+            </a:schemeClr>
+          </a:lnRef>
+          <a:fillRef idx="1">
+            <a:schemeClr val="accent2"/>
+          </a:fillRef>
+          <a:effectRef idx="0">
+            <a:schemeClr val="accent2"/>
+          </a:effectRef>
+          <a:fontRef idx="minor">
+            <a:schemeClr val="lt1"/>
+          </a:fontRef>
+        </p:style>
+        <p:txBody>
+          <a:bodyPr rtlCol="0" anchor="ctr"/>
+          <a:lstStyle/>
+          <a:p>
+            <a:pPr algn="ctr"/>
+            <a:r>
+              <a:rPr lang="en-GB" sz="2800" b="1" dirty="0"/>
+              <a:t>ROUTER EXAMPLE</a:t>
+            </a:r>
+          </a:p>
+          <a:p>
+            <a:pPr algn="ctr"/>
+            <a:r>
+              <a:rPr lang="en-GB" sz="2800" b="1" dirty="0"/>
+              <a:t>Translate natural language to select appropriate report</a:t>
+            </a:r>
+          </a:p>
+        </p:txBody>
+      </p:sp>
+      <p:sp>
+        <p:nvSpPr>
+          <p:cNvPr id="6" name="Rectangle: Rounded Corners 5">
+            <a:extLst>
+              <a:ext uri="{FF2B5EF4-FFF2-40B4-BE49-F238E27FC236}">
+                <a16:creationId xmlns:a16="http://schemas.microsoft.com/office/drawing/2014/main" id="{1E252409-B447-FDC9-632F-07A54B636B55}"/>
+              </a:ext>
+            </a:extLst>
+          </p:cNvPr>
+          <p:cNvSpPr/>
+          <p:nvPr/>
+        </p:nvSpPr>
+        <p:spPr>
+          <a:xfrm>
+            <a:off x="887002" y="3028308"/>
+            <a:ext cx="3568557" cy="801384"/>
+          </a:xfrm>
+          <a:prstGeom prst="roundRect">
+            <a:avLst/>
+          </a:prstGeom>
+        </p:spPr>
+        <p:style>
+          <a:lnRef idx="2">
+            <a:schemeClr val="accent2">
+              <a:shade val="15000"/>
+            </a:schemeClr>
+          </a:lnRef>
+          <a:fillRef idx="1">
+            <a:schemeClr val="accent2"/>
+          </a:fillRef>
+          <a:effectRef idx="0">
+            <a:schemeClr val="accent2"/>
+          </a:effectRef>
+          <a:fontRef idx="minor">
+            <a:schemeClr val="lt1"/>
+          </a:fontRef>
+        </p:style>
+        <p:txBody>
+          <a:bodyPr rtlCol="0" anchor="ctr"/>
+          <a:lstStyle/>
+          <a:p>
+            <a:pPr algn="ctr"/>
+            <a:r>
+              <a:rPr lang="en-GB" sz="2400" b="1" dirty="0"/>
+              <a:t>GENERATE OUTPUT</a:t>
+            </a:r>
+          </a:p>
+        </p:txBody>
+      </p:sp>
+      <p:sp>
+        <p:nvSpPr>
+          <p:cNvPr id="7" name="Rectangle: Rounded Corners 6">
+            <a:extLst>
+              <a:ext uri="{FF2B5EF4-FFF2-40B4-BE49-F238E27FC236}">
+                <a16:creationId xmlns:a16="http://schemas.microsoft.com/office/drawing/2014/main" id="{0F036E6A-5111-AB28-0BE4-DB39BFEA6494}"/>
+              </a:ext>
+            </a:extLst>
+          </p:cNvPr>
+          <p:cNvSpPr/>
+          <p:nvPr/>
+        </p:nvSpPr>
+        <p:spPr>
+          <a:xfrm>
+            <a:off x="5545477" y="4813009"/>
+            <a:ext cx="5984700" cy="1800122"/>
+          </a:xfrm>
+          <a:prstGeom prst="roundRect">
+            <a:avLst/>
+          </a:prstGeom>
+        </p:spPr>
+        <p:style>
+          <a:lnRef idx="2">
+            <a:schemeClr val="accent2">
+              <a:shade val="15000"/>
+            </a:schemeClr>
+          </a:lnRef>
+          <a:fillRef idx="1">
+            <a:schemeClr val="accent2"/>
+          </a:fillRef>
+          <a:effectRef idx="0">
+            <a:schemeClr val="accent2"/>
+          </a:effectRef>
+          <a:fontRef idx="minor">
+            <a:schemeClr val="lt1"/>
+          </a:fontRef>
+        </p:style>
+        <p:txBody>
+          <a:bodyPr rtlCol="0" anchor="ctr"/>
+          <a:lstStyle/>
+          <a:p>
+            <a:pPr algn="ctr"/>
+            <a:r>
+              <a:rPr lang="en-GB" sz="2800" b="1" dirty="0"/>
+              <a:t>REFLECTION EXAMPLE</a:t>
+            </a:r>
+          </a:p>
+          <a:p>
+            <a:pPr algn="ctr"/>
+            <a:r>
+              <a:rPr lang="en-GB" sz="2800" b="1" dirty="0"/>
+              <a:t>Reviewing code and making suggestions with a final report</a:t>
+            </a:r>
+          </a:p>
+        </p:txBody>
+      </p:sp>
+      <p:sp>
+        <p:nvSpPr>
+          <p:cNvPr id="8" name="Rectangle: Rounded Corners 7">
+            <a:extLst>
+              <a:ext uri="{FF2B5EF4-FFF2-40B4-BE49-F238E27FC236}">
+                <a16:creationId xmlns:a16="http://schemas.microsoft.com/office/drawing/2014/main" id="{C1FA920B-AE32-0C7C-AC5A-5F0BF8A10FCB}"/>
+              </a:ext>
+            </a:extLst>
+          </p:cNvPr>
+          <p:cNvSpPr/>
+          <p:nvPr/>
+        </p:nvSpPr>
+        <p:spPr>
+          <a:xfrm>
+            <a:off x="887002" y="5312378"/>
+            <a:ext cx="3568557" cy="801384"/>
+          </a:xfrm>
+          <a:prstGeom prst="roundRect">
+            <a:avLst/>
+          </a:prstGeom>
+        </p:spPr>
+        <p:style>
+          <a:lnRef idx="2">
+            <a:schemeClr val="accent2">
+              <a:shade val="15000"/>
+            </a:schemeClr>
+          </a:lnRef>
+          <a:fillRef idx="1">
+            <a:schemeClr val="accent2"/>
+          </a:fillRef>
+          <a:effectRef idx="0">
+            <a:schemeClr val="accent2"/>
+          </a:effectRef>
+          <a:fontRef idx="minor">
+            <a:schemeClr val="lt1"/>
+          </a:fontRef>
+        </p:style>
+        <p:txBody>
+          <a:bodyPr rtlCol="0" anchor="ctr"/>
+          <a:lstStyle/>
+          <a:p>
+            <a:pPr algn="ctr"/>
+            <a:r>
+              <a:rPr lang="en-GB" sz="2400" b="1" dirty="0"/>
+              <a:t>DO SOMETHING</a:t>
+            </a:r>
+          </a:p>
+        </p:txBody>
+      </p:sp>
+      <p:sp>
+        <p:nvSpPr>
+          <p:cNvPr id="9" name="Rectangle: Rounded Corners 8">
+            <a:extLst>
+              <a:ext uri="{FF2B5EF4-FFF2-40B4-BE49-F238E27FC236}">
+                <a16:creationId xmlns:a16="http://schemas.microsoft.com/office/drawing/2014/main" id="{83C84755-DACC-971C-C8ED-166090F3A6A1}"/>
+              </a:ext>
+            </a:extLst>
+          </p:cNvPr>
+          <p:cNvSpPr/>
+          <p:nvPr/>
+        </p:nvSpPr>
+        <p:spPr>
+          <a:xfrm>
+            <a:off x="5545477" y="2528939"/>
+            <a:ext cx="5984700" cy="1800122"/>
+          </a:xfrm>
+          <a:prstGeom prst="roundRect">
+            <a:avLst/>
+          </a:prstGeom>
+        </p:spPr>
+        <p:style>
+          <a:lnRef idx="2">
+            <a:schemeClr val="accent2">
+              <a:shade val="15000"/>
+            </a:schemeClr>
+          </a:lnRef>
+          <a:fillRef idx="1">
+            <a:schemeClr val="accent2"/>
+          </a:fillRef>
+          <a:effectRef idx="0">
+            <a:schemeClr val="accent2"/>
+          </a:effectRef>
+          <a:fontRef idx="minor">
+            <a:schemeClr val="lt1"/>
+          </a:fontRef>
+        </p:style>
+        <p:txBody>
+          <a:bodyPr rtlCol="0" anchor="ctr"/>
+          <a:lstStyle/>
+          <a:p>
+            <a:pPr algn="ctr"/>
+            <a:r>
+              <a:rPr lang="en-GB" sz="2800" b="1"/>
+              <a:t>FAQ EXAMPLE</a:t>
+            </a:r>
+            <a:endParaRPr lang="en-GB" sz="2800" b="1" dirty="0"/>
+          </a:p>
+          <a:p>
+            <a:pPr algn="ctr"/>
+            <a:r>
+              <a:rPr lang="en-GB" sz="2800" b="1" dirty="0"/>
+              <a:t>Create a natural language response to a query</a:t>
+            </a:r>
+          </a:p>
+        </p:txBody>
+      </p:sp>
+    </p:spTree>
+    <p:extLst>
+      <p:ext uri="{BB962C8B-B14F-4D97-AF65-F5344CB8AC3E}">
+        <p14:creationId xmlns:p14="http://schemas.microsoft.com/office/powerpoint/2010/main" val="3219126829"/>
+      </p:ext>
+    </p:extLst>
+  </p:cSld>
+  <p:clrMapOvr>
+    <a:masterClrMapping/>
+  </p:clrMapOvr>
+</p:sld>
+</file>
+
 <file path=ppt/theme/theme1.xml><?xml version="1.0" encoding="utf-8"?>
 <a:theme xmlns:a="http://schemas.openxmlformats.org/drawingml/2006/main" name="Office Theme">
   <a:themeElements>

--- a/django-jpn.pptx
+++ b/django-jpn.pptx
@@ -3941,8 +3941,8 @@
         </p:nvSpPr>
         <p:spPr>
           <a:xfrm>
-            <a:off x="976046" y="748299"/>
-            <a:ext cx="3568557" cy="801384"/>
+            <a:off x="521110" y="748299"/>
+            <a:ext cx="4023493" cy="801384"/>
           </a:xfrm>
           <a:prstGeom prst="roundRect">
             <a:avLst/>
@@ -3971,7 +3971,7 @@
             <a:pPr algn="ctr"/>
             <a:r>
               <a:rPr lang="en-GB" sz="2400" b="1" dirty="0"/>
-              <a:t>QUERY1+ DATA</a:t>
+              <a:t>QUERY_1+ DATA</a:t>
             </a:r>
           </a:p>
         </p:txBody>
@@ -4088,8 +4088,8 @@
         </p:nvSpPr>
         <p:spPr>
           <a:xfrm>
-            <a:off x="976046" y="2731213"/>
-            <a:ext cx="3568558" cy="801384"/>
+            <a:off x="521110" y="2731213"/>
+            <a:ext cx="4023494" cy="801384"/>
           </a:xfrm>
           <a:prstGeom prst="roundRect">
             <a:avLst/>
@@ -4118,7 +4118,7 @@
             <a:pPr algn="ctr"/>
             <a:r>
               <a:rPr lang="en-GB" sz="2400" b="1" dirty="0"/>
-              <a:t>QUERY2 + RESPONSE_1</a:t>
+              <a:t>QUERY_2 + RESPONSE_1</a:t>
             </a:r>
           </a:p>
         </p:txBody>
@@ -4295,7 +4295,7 @@
           <a:p>
             <a:r>
               <a:rPr lang="en-GB" sz="3200" dirty="0"/>
-              <a:t>We change our query to carry out new instructions along with previous response to generate response</a:t>
+              <a:t>We change our QUERY_2 to carry out new instructions along with previous RESPONSE_1 to generate RESPONSE_2</a:t>
             </a:r>
           </a:p>
         </p:txBody>
